--- a/中越詩歌/誇十字架_Giờ được chiêm ngưỡng thập giá.pptx
+++ b/中越詩歌/誇十字架_Giờ được chiêm ngưỡng thập giá.pptx
@@ -120,6 +120,11 @@
       </a:defRPr>
     </a:lvl9pPr>
   </p:defaultTextStyle>
+  <p:extLst>
+    <p:ext uri="{EFAFB233-063F-42B5-8137-9DF3F51BA10A}">
+      <p15:sldGuideLst xmlns:p15="http://schemas.microsoft.com/office/powerpoint/2012/main"/>
+    </p:ext>
+  </p:extLst>
 </p:presentation>
 </file>
 
@@ -304,7 +309,7 @@
           <a:p>
             <a:fld id="{81DB6200-3C6F-4159-BADA-2D02C7AC0497}" type="datetimeFigureOut">
               <a:rPr lang="vi-VN" smtClean="0"/>
-              <a:t>01/04/2021</a:t>
+              <a:t>06/04/2023</a:t>
             </a:fld>
             <a:endParaRPr lang="vi-VN"/>
           </a:p>
@@ -474,7 +479,7 @@
           <a:p>
             <a:fld id="{81DB6200-3C6F-4159-BADA-2D02C7AC0497}" type="datetimeFigureOut">
               <a:rPr lang="vi-VN" smtClean="0"/>
-              <a:t>01/04/2021</a:t>
+              <a:t>06/04/2023</a:t>
             </a:fld>
             <a:endParaRPr lang="vi-VN"/>
           </a:p>
@@ -654,7 +659,7 @@
           <a:p>
             <a:fld id="{81DB6200-3C6F-4159-BADA-2D02C7AC0497}" type="datetimeFigureOut">
               <a:rPr lang="vi-VN" smtClean="0"/>
-              <a:t>01/04/2021</a:t>
+              <a:t>06/04/2023</a:t>
             </a:fld>
             <a:endParaRPr lang="vi-VN"/>
           </a:p>
@@ -824,7 +829,7 @@
           <a:p>
             <a:fld id="{81DB6200-3C6F-4159-BADA-2D02C7AC0497}" type="datetimeFigureOut">
               <a:rPr lang="vi-VN" smtClean="0"/>
-              <a:t>01/04/2021</a:t>
+              <a:t>06/04/2023</a:t>
             </a:fld>
             <a:endParaRPr lang="vi-VN"/>
           </a:p>
@@ -1070,7 +1075,7 @@
           <a:p>
             <a:fld id="{81DB6200-3C6F-4159-BADA-2D02C7AC0497}" type="datetimeFigureOut">
               <a:rPr lang="vi-VN" smtClean="0"/>
-              <a:t>01/04/2021</a:t>
+              <a:t>06/04/2023</a:t>
             </a:fld>
             <a:endParaRPr lang="vi-VN"/>
           </a:p>
@@ -1358,7 +1363,7 @@
           <a:p>
             <a:fld id="{81DB6200-3C6F-4159-BADA-2D02C7AC0497}" type="datetimeFigureOut">
               <a:rPr lang="vi-VN" smtClean="0"/>
-              <a:t>01/04/2021</a:t>
+              <a:t>06/04/2023</a:t>
             </a:fld>
             <a:endParaRPr lang="vi-VN"/>
           </a:p>
@@ -1780,7 +1785,7 @@
           <a:p>
             <a:fld id="{81DB6200-3C6F-4159-BADA-2D02C7AC0497}" type="datetimeFigureOut">
               <a:rPr lang="vi-VN" smtClean="0"/>
-              <a:t>01/04/2021</a:t>
+              <a:t>06/04/2023</a:t>
             </a:fld>
             <a:endParaRPr lang="vi-VN"/>
           </a:p>
@@ -1898,7 +1903,7 @@
           <a:p>
             <a:fld id="{81DB6200-3C6F-4159-BADA-2D02C7AC0497}" type="datetimeFigureOut">
               <a:rPr lang="vi-VN" smtClean="0"/>
-              <a:t>01/04/2021</a:t>
+              <a:t>06/04/2023</a:t>
             </a:fld>
             <a:endParaRPr lang="vi-VN"/>
           </a:p>
@@ -1993,7 +1998,7 @@
           <a:p>
             <a:fld id="{81DB6200-3C6F-4159-BADA-2D02C7AC0497}" type="datetimeFigureOut">
               <a:rPr lang="vi-VN" smtClean="0"/>
-              <a:t>01/04/2021</a:t>
+              <a:t>06/04/2023</a:t>
             </a:fld>
             <a:endParaRPr lang="vi-VN"/>
           </a:p>
@@ -2270,7 +2275,7 @@
           <a:p>
             <a:fld id="{81DB6200-3C6F-4159-BADA-2D02C7AC0497}" type="datetimeFigureOut">
               <a:rPr lang="vi-VN" smtClean="0"/>
-              <a:t>01/04/2021</a:t>
+              <a:t>06/04/2023</a:t>
             </a:fld>
             <a:endParaRPr lang="vi-VN"/>
           </a:p>
@@ -2527,7 +2532,7 @@
           <a:p>
             <a:fld id="{81DB6200-3C6F-4159-BADA-2D02C7AC0497}" type="datetimeFigureOut">
               <a:rPr lang="vi-VN" smtClean="0"/>
-              <a:t>01/04/2021</a:t>
+              <a:t>06/04/2023</a:t>
             </a:fld>
             <a:endParaRPr lang="vi-VN"/>
           </a:p>
@@ -2745,7 +2750,7 @@
           <a:p>
             <a:fld id="{81DB6200-3C6F-4159-BADA-2D02C7AC0497}" type="datetimeFigureOut">
               <a:rPr lang="vi-VN" smtClean="0"/>
-              <a:t>01/04/2021</a:t>
+              <a:t>06/04/2023</a:t>
             </a:fld>
             <a:endParaRPr lang="vi-VN"/>
           </a:p>
@@ -3367,13 +3372,6 @@
               </a:rPr>
               <a:t>請看主頭主手主足</a:t>
             </a:r>
-            <a:endParaRPr lang="zh-TW" altLang="en-US" sz="6400" b="1" dirty="0">
-              <a:solidFill>
-                <a:srgbClr val="660033"/>
-              </a:solidFill>
-              <a:latin typeface="Microsoft JhengHei" panose="020B0604030504040204" pitchFamily="34" charset="-120"/>
-              <a:ea typeface="Microsoft JhengHei" panose="020B0604030504040204" pitchFamily="34" charset="-120"/>
-            </a:endParaRPr>
           </a:p>
         </p:txBody>
       </p:sp>
@@ -3724,7 +3722,7 @@
         <p:spPr>
           <a:xfrm>
             <a:off x="-16437" y="5385304"/>
-            <a:ext cx="12192000" cy="748988"/>
+            <a:ext cx="12192000" cy="646331"/>
           </a:xfrm>
           <a:prstGeom prst="rect">
             <a:avLst/>
@@ -3739,7 +3737,7 @@
           <a:p>
             <a:pPr algn="ctr"/>
             <a:r>
-              <a:rPr lang="en-US" sz="4267" b="1" dirty="0">
+              <a:rPr lang="en-US" sz="3600" b="1" dirty="0">
                 <a:solidFill>
                   <a:srgbClr val="660033"/>
                 </a:solidFill>
@@ -3747,7 +3745,7 @@
               <a:t>( </a:t>
             </a:r>
             <a:r>
-              <a:rPr lang="en-US" sz="4267" b="1" dirty="0">
+              <a:rPr lang="en-US" sz="3600" b="1" dirty="0">
                 <a:solidFill>
                   <a:srgbClr val="660033"/>
                 </a:solidFill>
@@ -3755,14 +3753,14 @@
               <a:t>3 </a:t>
             </a:r>
             <a:r>
-              <a:rPr lang="en-US" sz="4267" b="1" dirty="0">
+              <a:rPr lang="en-US" sz="3600" b="1" dirty="0">
                 <a:solidFill>
                   <a:srgbClr val="660033"/>
                 </a:solidFill>
               </a:rPr>
-              <a:t>)</a:t>
-            </a:r>
-            <a:endParaRPr lang="vi-VN" sz="4267" b="1" dirty="0">
+              <a:t>/ 4 )</a:t>
+            </a:r>
+            <a:endParaRPr lang="vi-VN" sz="3600" b="1" dirty="0">
               <a:solidFill>
                 <a:srgbClr val="660033"/>
               </a:solidFill>
@@ -3835,13 +3833,6 @@
               </a:rPr>
               <a:t>憂愁慈愛和血同流</a:t>
             </a:r>
-            <a:endParaRPr lang="zh-TW" altLang="en-US" sz="6400" b="1" dirty="0">
-              <a:solidFill>
-                <a:srgbClr val="660033"/>
-              </a:solidFill>
-              <a:latin typeface="Microsoft JhengHei" panose="020B0604030504040204" pitchFamily="34" charset="-120"/>
-              <a:ea typeface="Microsoft JhengHei" panose="020B0604030504040204" pitchFamily="34" charset="-120"/>
-            </a:endParaRPr>
           </a:p>
         </p:txBody>
       </p:sp>
@@ -4170,7 +4161,7 @@
         <p:spPr>
           <a:xfrm>
             <a:off x="-16437" y="5385304"/>
-            <a:ext cx="12192000" cy="748988"/>
+            <a:ext cx="12192000" cy="646331"/>
           </a:xfrm>
           <a:prstGeom prst="rect">
             <a:avLst/>
@@ -4185,30 +4176,14 @@
           <a:p>
             <a:pPr algn="ctr"/>
             <a:r>
-              <a:rPr lang="en-US" sz="4267" b="1" dirty="0">
+              <a:rPr lang="en-US" sz="3600" b="1" dirty="0">
                 <a:solidFill>
                   <a:srgbClr val="660033"/>
                 </a:solidFill>
               </a:rPr>
-              <a:t>( </a:t>
-            </a:r>
-            <a:r>
-              <a:rPr lang="en-US" sz="4267" b="1" dirty="0">
-                <a:solidFill>
-                  <a:srgbClr val="660033"/>
-                </a:solidFill>
-              </a:rPr>
-              <a:t>3 </a:t>
-            </a:r>
-            <a:r>
-              <a:rPr lang="en-US" sz="4267" b="1" dirty="0">
-                <a:solidFill>
-                  <a:srgbClr val="660033"/>
-                </a:solidFill>
-              </a:rPr>
-              <a:t>)</a:t>
-            </a:r>
-            <a:endParaRPr lang="vi-VN" sz="4267" b="1" dirty="0">
+              <a:t>( 3 / 4 )</a:t>
+            </a:r>
+            <a:endParaRPr lang="vi-VN" sz="3600" b="1" dirty="0">
               <a:solidFill>
                 <a:srgbClr val="660033"/>
               </a:solidFill>
@@ -4281,13 +4256,6 @@
               </a:rPr>
               <a:t>這樣大愛自古未有</a:t>
             </a:r>
-            <a:endParaRPr lang="zh-TW" altLang="en-US" sz="6400" b="1" dirty="0">
-              <a:solidFill>
-                <a:srgbClr val="660033"/>
-              </a:solidFill>
-              <a:latin typeface="Microsoft JhengHei" panose="020B0604030504040204" pitchFamily="34" charset="-120"/>
-              <a:ea typeface="Microsoft JhengHei" panose="020B0604030504040204" pitchFamily="34" charset="-120"/>
-            </a:endParaRPr>
           </a:p>
         </p:txBody>
       </p:sp>
@@ -4616,7 +4584,7 @@
         <p:spPr>
           <a:xfrm>
             <a:off x="-16437" y="5385304"/>
-            <a:ext cx="12192000" cy="748988"/>
+            <a:ext cx="12192000" cy="646331"/>
           </a:xfrm>
           <a:prstGeom prst="rect">
             <a:avLst/>
@@ -4631,30 +4599,14 @@
           <a:p>
             <a:pPr algn="ctr"/>
             <a:r>
-              <a:rPr lang="en-US" sz="4267" b="1" dirty="0">
+              <a:rPr lang="en-US" sz="3600" b="1" dirty="0">
                 <a:solidFill>
                   <a:srgbClr val="660033"/>
                 </a:solidFill>
               </a:rPr>
-              <a:t>( </a:t>
-            </a:r>
-            <a:r>
-              <a:rPr lang="en-US" sz="4267" b="1" dirty="0">
-                <a:solidFill>
-                  <a:srgbClr val="660033"/>
-                </a:solidFill>
-              </a:rPr>
-              <a:t>3 </a:t>
-            </a:r>
-            <a:r>
-              <a:rPr lang="en-US" sz="4267" b="1" dirty="0">
-                <a:solidFill>
-                  <a:srgbClr val="660033"/>
-                </a:solidFill>
-              </a:rPr>
-              <a:t>)</a:t>
-            </a:r>
-            <a:endParaRPr lang="vi-VN" sz="4267" b="1" dirty="0">
+              <a:t>( 3 / 4 )</a:t>
+            </a:r>
+            <a:endParaRPr lang="vi-VN" sz="3600" b="1" dirty="0">
               <a:solidFill>
                 <a:srgbClr val="660033"/>
               </a:solidFill>
@@ -4727,13 +4679,6 @@
               </a:rPr>
               <a:t>荊棘反成榮耀冕旒</a:t>
             </a:r>
-            <a:endParaRPr lang="zh-TW" altLang="en-US" sz="6400" b="1" dirty="0">
-              <a:solidFill>
-                <a:srgbClr val="660033"/>
-              </a:solidFill>
-              <a:latin typeface="Microsoft JhengHei" panose="020B0604030504040204" pitchFamily="34" charset="-120"/>
-              <a:ea typeface="Microsoft JhengHei" panose="020B0604030504040204" pitchFamily="34" charset="-120"/>
-            </a:endParaRPr>
           </a:p>
         </p:txBody>
       </p:sp>
@@ -5084,7 +5029,7 @@
         <p:spPr>
           <a:xfrm>
             <a:off x="-16437" y="5385304"/>
-            <a:ext cx="12192000" cy="748988"/>
+            <a:ext cx="12192000" cy="646331"/>
           </a:xfrm>
           <a:prstGeom prst="rect">
             <a:avLst/>
@@ -5099,30 +5044,14 @@
           <a:p>
             <a:pPr algn="ctr"/>
             <a:r>
-              <a:rPr lang="en-US" sz="4267" b="1" dirty="0">
+              <a:rPr lang="en-US" sz="3600" b="1" dirty="0">
                 <a:solidFill>
                   <a:srgbClr val="660033"/>
                 </a:solidFill>
               </a:rPr>
-              <a:t>( </a:t>
-            </a:r>
-            <a:r>
-              <a:rPr lang="en-US" sz="4267" b="1" dirty="0">
-                <a:solidFill>
-                  <a:srgbClr val="660033"/>
-                </a:solidFill>
-              </a:rPr>
-              <a:t>3 </a:t>
-            </a:r>
-            <a:r>
-              <a:rPr lang="en-US" sz="4267" b="1" dirty="0">
-                <a:solidFill>
-                  <a:srgbClr val="660033"/>
-                </a:solidFill>
-              </a:rPr>
-              <a:t>)</a:t>
-            </a:r>
-            <a:endParaRPr lang="vi-VN" sz="4267" b="1" dirty="0">
+              <a:t>( 3 / 4 )</a:t>
+            </a:r>
+            <a:endParaRPr lang="vi-VN" sz="3600" b="1" dirty="0">
               <a:solidFill>
                 <a:srgbClr val="660033"/>
               </a:solidFill>
@@ -5195,13 +5124,6 @@
               </a:rPr>
               <a:t>假若萬物都歸我手</a:t>
             </a:r>
-            <a:endParaRPr lang="zh-TW" altLang="en-US" sz="6400" b="1" dirty="0">
-              <a:solidFill>
-                <a:srgbClr val="660033"/>
-              </a:solidFill>
-              <a:latin typeface="Microsoft JhengHei" panose="020B0604030504040204" pitchFamily="34" charset="-120"/>
-              <a:ea typeface="Microsoft JhengHei" panose="020B0604030504040204" pitchFamily="34" charset="-120"/>
-            </a:endParaRPr>
           </a:p>
         </p:txBody>
       </p:sp>
@@ -5552,7 +5474,7 @@
         <p:spPr>
           <a:xfrm>
             <a:off x="-16437" y="5385304"/>
-            <a:ext cx="12192000" cy="748988"/>
+            <a:ext cx="12192000" cy="646331"/>
           </a:xfrm>
           <a:prstGeom prst="rect">
             <a:avLst/>
@@ -5567,7 +5489,7 @@
           <a:p>
             <a:pPr algn="ctr"/>
             <a:r>
-              <a:rPr lang="en-US" sz="4267" b="1" dirty="0">
+              <a:rPr lang="en-US" sz="3600" b="1" dirty="0">
                 <a:solidFill>
                   <a:srgbClr val="660033"/>
                 </a:solidFill>
@@ -5575,7 +5497,7 @@
               <a:t>( </a:t>
             </a:r>
             <a:r>
-              <a:rPr lang="en-US" sz="4267" b="1" dirty="0">
+              <a:rPr lang="en-US" sz="3600" b="1" dirty="0">
                 <a:solidFill>
                   <a:srgbClr val="660033"/>
                 </a:solidFill>
@@ -5583,14 +5505,14 @@
               <a:t>4 </a:t>
             </a:r>
             <a:r>
-              <a:rPr lang="en-US" sz="4267" b="1" dirty="0">
+              <a:rPr lang="en-US" sz="3600" b="1" dirty="0">
                 <a:solidFill>
                   <a:srgbClr val="660033"/>
                 </a:solidFill>
               </a:rPr>
-              <a:t>)</a:t>
-            </a:r>
-            <a:endParaRPr lang="vi-VN" sz="4267" b="1" dirty="0">
+              <a:t>/ 4 )</a:t>
+            </a:r>
+            <a:endParaRPr lang="vi-VN" sz="3600" b="1" dirty="0">
               <a:solidFill>
                 <a:srgbClr val="660033"/>
               </a:solidFill>
@@ -5663,13 +5585,6 @@
               </a:rPr>
               <a:t>盡獻與主何足報恩</a:t>
             </a:r>
-            <a:endParaRPr lang="zh-TW" altLang="en-US" sz="6400" b="1" dirty="0">
-              <a:solidFill>
-                <a:srgbClr val="660033"/>
-              </a:solidFill>
-              <a:latin typeface="Microsoft JhengHei" panose="020B0604030504040204" pitchFamily="34" charset="-120"/>
-              <a:ea typeface="Microsoft JhengHei" panose="020B0604030504040204" pitchFamily="34" charset="-120"/>
-            </a:endParaRPr>
           </a:p>
         </p:txBody>
       </p:sp>
@@ -6020,7 +5935,7 @@
         <p:spPr>
           <a:xfrm>
             <a:off x="-16437" y="5385304"/>
-            <a:ext cx="12192000" cy="748988"/>
+            <a:ext cx="12192000" cy="646331"/>
           </a:xfrm>
           <a:prstGeom prst="rect">
             <a:avLst/>
@@ -6035,30 +5950,14 @@
           <a:p>
             <a:pPr algn="ctr"/>
             <a:r>
-              <a:rPr lang="en-US" sz="4267" b="1" dirty="0">
+              <a:rPr lang="en-US" sz="3600" b="1" dirty="0">
                 <a:solidFill>
                   <a:srgbClr val="660033"/>
                 </a:solidFill>
               </a:rPr>
-              <a:t>( </a:t>
-            </a:r>
-            <a:r>
-              <a:rPr lang="en-US" sz="4267" b="1" dirty="0">
-                <a:solidFill>
-                  <a:srgbClr val="660033"/>
-                </a:solidFill>
-              </a:rPr>
-              <a:t>4 </a:t>
-            </a:r>
-            <a:r>
-              <a:rPr lang="en-US" sz="4267" b="1" dirty="0">
-                <a:solidFill>
-                  <a:srgbClr val="660033"/>
-                </a:solidFill>
-              </a:rPr>
-              <a:t>)</a:t>
-            </a:r>
-            <a:endParaRPr lang="vi-VN" sz="4267" b="1" dirty="0">
+              <a:t>( 4 / 4 )</a:t>
+            </a:r>
+            <a:endParaRPr lang="vi-VN" sz="3600" b="1" dirty="0">
               <a:solidFill>
                 <a:srgbClr val="660033"/>
               </a:solidFill>
@@ -6131,13 +6030,6 @@
               </a:rPr>
               <a:t>主愛如此長闊高深</a:t>
             </a:r>
-            <a:endParaRPr lang="zh-TW" altLang="en-US" sz="6400" b="1" dirty="0">
-              <a:solidFill>
-                <a:srgbClr val="660033"/>
-              </a:solidFill>
-              <a:latin typeface="Microsoft JhengHei" panose="020B0604030504040204" pitchFamily="34" charset="-120"/>
-              <a:ea typeface="Microsoft JhengHei" panose="020B0604030504040204" pitchFamily="34" charset="-120"/>
-            </a:endParaRPr>
           </a:p>
         </p:txBody>
       </p:sp>
@@ -6488,7 +6380,7 @@
         <p:spPr>
           <a:xfrm>
             <a:off x="-16437" y="5385304"/>
-            <a:ext cx="12192000" cy="748988"/>
+            <a:ext cx="12192000" cy="646331"/>
           </a:xfrm>
           <a:prstGeom prst="rect">
             <a:avLst/>
@@ -6503,30 +6395,14 @@
           <a:p>
             <a:pPr algn="ctr"/>
             <a:r>
-              <a:rPr lang="en-US" sz="4267" b="1" dirty="0">
+              <a:rPr lang="en-US" sz="3600" b="1" dirty="0">
                 <a:solidFill>
                   <a:srgbClr val="660033"/>
                 </a:solidFill>
               </a:rPr>
-              <a:t>( </a:t>
-            </a:r>
-            <a:r>
-              <a:rPr lang="en-US" sz="4267" b="1" dirty="0">
-                <a:solidFill>
-                  <a:srgbClr val="660033"/>
-                </a:solidFill>
-              </a:rPr>
-              <a:t>4 </a:t>
-            </a:r>
-            <a:r>
-              <a:rPr lang="en-US" sz="4267" b="1" dirty="0">
-                <a:solidFill>
-                  <a:srgbClr val="660033"/>
-                </a:solidFill>
-              </a:rPr>
-              <a:t>)</a:t>
-            </a:r>
-            <a:endParaRPr lang="vi-VN" sz="4267" b="1" dirty="0">
+              <a:t>( 4 / 4 )</a:t>
+            </a:r>
+            <a:endParaRPr lang="vi-VN" sz="3600" b="1" dirty="0">
               <a:solidFill>
                 <a:srgbClr val="660033"/>
               </a:solidFill>
@@ -6599,13 +6475,6 @@
               </a:rPr>
               <a:t>我難報答只獻全身</a:t>
             </a:r>
-            <a:endParaRPr lang="zh-TW" altLang="en-US" sz="6400" b="1" dirty="0">
-              <a:solidFill>
-                <a:srgbClr val="660033"/>
-              </a:solidFill>
-              <a:latin typeface="Microsoft JhengHei" panose="020B0604030504040204" pitchFamily="34" charset="-120"/>
-              <a:ea typeface="Microsoft JhengHei" panose="020B0604030504040204" pitchFamily="34" charset="-120"/>
-            </a:endParaRPr>
           </a:p>
         </p:txBody>
       </p:sp>
@@ -6956,7 +6825,7 @@
         <p:spPr>
           <a:xfrm>
             <a:off x="-16437" y="5385304"/>
-            <a:ext cx="12192000" cy="748988"/>
+            <a:ext cx="12192000" cy="646331"/>
           </a:xfrm>
           <a:prstGeom prst="rect">
             <a:avLst/>
@@ -6971,30 +6840,14 @@
           <a:p>
             <a:pPr algn="ctr"/>
             <a:r>
-              <a:rPr lang="en-US" sz="4267" b="1" dirty="0">
+              <a:rPr lang="en-US" sz="3600" b="1" dirty="0">
                 <a:solidFill>
                   <a:srgbClr val="660033"/>
                 </a:solidFill>
               </a:rPr>
-              <a:t>( </a:t>
-            </a:r>
-            <a:r>
-              <a:rPr lang="en-US" sz="4267" b="1" dirty="0">
-                <a:solidFill>
-                  <a:srgbClr val="660033"/>
-                </a:solidFill>
-              </a:rPr>
-              <a:t>4 </a:t>
-            </a:r>
-            <a:r>
-              <a:rPr lang="en-US" sz="4267" b="1" dirty="0">
-                <a:solidFill>
-                  <a:srgbClr val="660033"/>
-                </a:solidFill>
-              </a:rPr>
-              <a:t>)</a:t>
-            </a:r>
-            <a:endParaRPr lang="vi-VN" sz="4267" b="1" dirty="0">
+              <a:t>( 4 / 4 )</a:t>
+            </a:r>
+            <a:endParaRPr lang="vi-VN" sz="3600" b="1" dirty="0">
               <a:solidFill>
                 <a:srgbClr val="660033"/>
               </a:solidFill>
@@ -7067,13 +6920,6 @@
               </a:rPr>
               <a:t>我每仰望十字寶架</a:t>
             </a:r>
-            <a:endParaRPr lang="zh-TW" altLang="en-US" sz="6400" b="1" dirty="0">
-              <a:solidFill>
-                <a:srgbClr val="660033"/>
-              </a:solidFill>
-              <a:latin typeface="Microsoft JhengHei" panose="020B0604030504040204" pitchFamily="34" charset="-120"/>
-              <a:ea typeface="Microsoft JhengHei" panose="020B0604030504040204" pitchFamily="34" charset="-120"/>
-            </a:endParaRPr>
           </a:p>
         </p:txBody>
       </p:sp>
@@ -7424,7 +7270,7 @@
         <p:spPr>
           <a:xfrm>
             <a:off x="-16437" y="5385304"/>
-            <a:ext cx="12192000" cy="748988"/>
+            <a:ext cx="12192000" cy="646331"/>
           </a:xfrm>
           <a:prstGeom prst="rect">
             <a:avLst/>
@@ -7439,14 +7285,30 @@
           <a:p>
             <a:pPr algn="ctr"/>
             <a:r>
-              <a:rPr lang="en-US" sz="4267" b="1" dirty="0">
+              <a:rPr lang="en-US" sz="3600" b="1" dirty="0">
                 <a:solidFill>
                   <a:srgbClr val="660033"/>
                 </a:solidFill>
               </a:rPr>
-              <a:t>( 1 )</a:t>
-            </a:r>
-            <a:endParaRPr lang="vi-VN" sz="4267" b="1" dirty="0">
+              <a:t>( </a:t>
+            </a:r>
+            <a:r>
+              <a:rPr lang="en-US" sz="3600" b="1" dirty="0" smtClean="0">
+                <a:solidFill>
+                  <a:srgbClr val="660033"/>
+                </a:solidFill>
+              </a:rPr>
+              <a:t>1 / 4 </a:t>
+            </a:r>
+            <a:r>
+              <a:rPr lang="en-US" sz="3600" b="1" dirty="0">
+                <a:solidFill>
+                  <a:srgbClr val="660033"/>
+                </a:solidFill>
+              </a:rPr>
+              <a:t>)</a:t>
+            </a:r>
+            <a:endParaRPr lang="vi-VN" sz="3600" b="1" dirty="0">
               <a:solidFill>
                 <a:srgbClr val="660033"/>
               </a:solidFill>
@@ -7519,13 +7381,6 @@
               </a:rPr>
               <a:t>榮耀救主在上捨身</a:t>
             </a:r>
-            <a:endParaRPr lang="zh-TW" altLang="en-US" sz="6400" b="1" dirty="0">
-              <a:solidFill>
-                <a:srgbClr val="660033"/>
-              </a:solidFill>
-              <a:latin typeface="Microsoft JhengHei" panose="020B0604030504040204" pitchFamily="34" charset="-120"/>
-              <a:ea typeface="Microsoft JhengHei" panose="020B0604030504040204" pitchFamily="34" charset="-120"/>
-            </a:endParaRPr>
           </a:p>
         </p:txBody>
       </p:sp>
@@ -7876,7 +7731,7 @@
         <p:spPr>
           <a:xfrm>
             <a:off x="-16437" y="5385304"/>
-            <a:ext cx="12192000" cy="748988"/>
+            <a:ext cx="12192000" cy="646331"/>
           </a:xfrm>
           <a:prstGeom prst="rect">
             <a:avLst/>
@@ -7891,14 +7746,14 @@
           <a:p>
             <a:pPr algn="ctr"/>
             <a:r>
-              <a:rPr lang="en-US" sz="4267" b="1" dirty="0">
+              <a:rPr lang="en-US" sz="3600" b="1" dirty="0">
                 <a:solidFill>
                   <a:srgbClr val="660033"/>
                 </a:solidFill>
               </a:rPr>
-              <a:t>( 1 )</a:t>
-            </a:r>
-            <a:endParaRPr lang="vi-VN" sz="4267" b="1" dirty="0">
+              <a:t>( 1 / 4 )</a:t>
+            </a:r>
+            <a:endParaRPr lang="vi-VN" sz="3600" b="1" dirty="0">
               <a:solidFill>
                 <a:srgbClr val="660033"/>
               </a:solidFill>
@@ -7971,13 +7826,6 @@
               </a:rPr>
               <a:t>從前所有世上榮華</a:t>
             </a:r>
-            <a:endParaRPr lang="zh-TW" altLang="en-US" sz="6400" b="1" dirty="0">
-              <a:solidFill>
-                <a:srgbClr val="660033"/>
-              </a:solidFill>
-              <a:latin typeface="Microsoft JhengHei" panose="020B0604030504040204" pitchFamily="34" charset="-120"/>
-              <a:ea typeface="Microsoft JhengHei" panose="020B0604030504040204" pitchFamily="34" charset="-120"/>
-            </a:endParaRPr>
           </a:p>
         </p:txBody>
       </p:sp>
@@ -8328,7 +8176,7 @@
         <p:spPr>
           <a:xfrm>
             <a:off x="-16437" y="5385304"/>
-            <a:ext cx="12192000" cy="748988"/>
+            <a:ext cx="12192000" cy="646331"/>
           </a:xfrm>
           <a:prstGeom prst="rect">
             <a:avLst/>
@@ -8343,14 +8191,14 @@
           <a:p>
             <a:pPr algn="ctr"/>
             <a:r>
-              <a:rPr lang="en-US" sz="4267" b="1" dirty="0">
+              <a:rPr lang="en-US" sz="3600" b="1" dirty="0">
                 <a:solidFill>
                   <a:srgbClr val="660033"/>
                 </a:solidFill>
               </a:rPr>
-              <a:t>( 1 )</a:t>
-            </a:r>
-            <a:endParaRPr lang="vi-VN" sz="4267" b="1" dirty="0">
+              <a:t>( 1 / 4 )</a:t>
+            </a:r>
+            <a:endParaRPr lang="vi-VN" sz="3600" b="1" dirty="0">
               <a:solidFill>
                 <a:srgbClr val="660033"/>
               </a:solidFill>
@@ -8423,13 +8271,6 @@
               </a:rPr>
               <a:t>今願為主一齊丟盡</a:t>
             </a:r>
-            <a:endParaRPr lang="zh-TW" altLang="en-US" sz="6400" b="1" dirty="0">
-              <a:solidFill>
-                <a:srgbClr val="660033"/>
-              </a:solidFill>
-              <a:latin typeface="Microsoft JhengHei" panose="020B0604030504040204" pitchFamily="34" charset="-120"/>
-              <a:ea typeface="Microsoft JhengHei" panose="020B0604030504040204" pitchFamily="34" charset="-120"/>
-            </a:endParaRPr>
           </a:p>
         </p:txBody>
       </p:sp>
@@ -8780,7 +8621,7 @@
         <p:spPr>
           <a:xfrm>
             <a:off x="-16437" y="5385304"/>
-            <a:ext cx="12192000" cy="748988"/>
+            <a:ext cx="12192000" cy="646331"/>
           </a:xfrm>
           <a:prstGeom prst="rect">
             <a:avLst/>
@@ -8795,14 +8636,14 @@
           <a:p>
             <a:pPr algn="ctr"/>
             <a:r>
-              <a:rPr lang="en-US" sz="4267" b="1" dirty="0">
+              <a:rPr lang="en-US" sz="3600" b="1" dirty="0">
                 <a:solidFill>
                   <a:srgbClr val="660033"/>
                 </a:solidFill>
               </a:rPr>
-              <a:t>( 1 )</a:t>
-            </a:r>
-            <a:endParaRPr lang="vi-VN" sz="4267" b="1" dirty="0">
+              <a:t>( 1 / 4 )</a:t>
+            </a:r>
+            <a:endParaRPr lang="vi-VN" sz="3600" b="1" dirty="0">
               <a:solidFill>
                 <a:srgbClr val="660033"/>
               </a:solidFill>
@@ -8875,13 +8716,6 @@
               </a:rPr>
               <a:t>求主禁我別有誇耀</a:t>
             </a:r>
-            <a:endParaRPr lang="zh-TW" altLang="en-US" sz="6400" b="1" dirty="0">
-              <a:solidFill>
-                <a:srgbClr val="660033"/>
-              </a:solidFill>
-              <a:latin typeface="Microsoft JhengHei" panose="020B0604030504040204" pitchFamily="34" charset="-120"/>
-              <a:ea typeface="Microsoft JhengHei" panose="020B0604030504040204" pitchFamily="34" charset="-120"/>
-            </a:endParaRPr>
           </a:p>
         </p:txBody>
       </p:sp>
@@ -9232,7 +9066,7 @@
         <p:spPr>
           <a:xfrm>
             <a:off x="-16437" y="5385304"/>
-            <a:ext cx="12192000" cy="748988"/>
+            <a:ext cx="12192000" cy="646331"/>
           </a:xfrm>
           <a:prstGeom prst="rect">
             <a:avLst/>
@@ -9247,7 +9081,7 @@
           <a:p>
             <a:pPr algn="ctr"/>
             <a:r>
-              <a:rPr lang="en-US" sz="4267" b="1" dirty="0">
+              <a:rPr lang="en-US" sz="3600" b="1" dirty="0">
                 <a:solidFill>
                   <a:srgbClr val="660033"/>
                 </a:solidFill>
@@ -9255,7 +9089,7 @@
               <a:t>( </a:t>
             </a:r>
             <a:r>
-              <a:rPr lang="en-US" sz="4267" b="1" dirty="0">
+              <a:rPr lang="en-US" sz="3600" b="1" dirty="0">
                 <a:solidFill>
                   <a:srgbClr val="660033"/>
                 </a:solidFill>
@@ -9263,14 +9097,14 @@
               <a:t>2 </a:t>
             </a:r>
             <a:r>
-              <a:rPr lang="en-US" sz="4267" b="1" dirty="0">
+              <a:rPr lang="en-US" sz="3600" b="1" dirty="0">
                 <a:solidFill>
                   <a:srgbClr val="660033"/>
                 </a:solidFill>
               </a:rPr>
-              <a:t>)</a:t>
-            </a:r>
-            <a:endParaRPr lang="vi-VN" sz="4267" b="1" dirty="0">
+              <a:t>/ 4 )</a:t>
+            </a:r>
+            <a:endParaRPr lang="vi-VN" sz="3600" b="1" dirty="0">
               <a:solidFill>
                 <a:srgbClr val="660033"/>
               </a:solidFill>
@@ -9343,13 +9177,6 @@
               </a:rPr>
               <a:t>但跨我主在十字架</a:t>
             </a:r>
-            <a:endParaRPr lang="zh-TW" altLang="en-US" sz="6400" b="1" dirty="0">
-              <a:solidFill>
-                <a:srgbClr val="660033"/>
-              </a:solidFill>
-              <a:latin typeface="Microsoft JhengHei" panose="020B0604030504040204" pitchFamily="34" charset="-120"/>
-              <a:ea typeface="Microsoft JhengHei" panose="020B0604030504040204" pitchFamily="34" charset="-120"/>
-            </a:endParaRPr>
           </a:p>
         </p:txBody>
       </p:sp>
@@ -9700,7 +9527,7 @@
         <p:spPr>
           <a:xfrm>
             <a:off x="-16437" y="5385304"/>
-            <a:ext cx="12192000" cy="748988"/>
+            <a:ext cx="12192000" cy="646331"/>
           </a:xfrm>
           <a:prstGeom prst="rect">
             <a:avLst/>
@@ -9715,30 +9542,14 @@
           <a:p>
             <a:pPr algn="ctr"/>
             <a:r>
-              <a:rPr lang="en-US" sz="4267" b="1" dirty="0">
+              <a:rPr lang="en-US" sz="3600" b="1" dirty="0">
                 <a:solidFill>
                   <a:srgbClr val="660033"/>
                 </a:solidFill>
               </a:rPr>
-              <a:t>( </a:t>
-            </a:r>
-            <a:r>
-              <a:rPr lang="en-US" sz="4267" b="1" dirty="0">
-                <a:solidFill>
-                  <a:srgbClr val="660033"/>
-                </a:solidFill>
-              </a:rPr>
-              <a:t>2 </a:t>
-            </a:r>
-            <a:r>
-              <a:rPr lang="en-US" sz="4267" b="1" dirty="0">
-                <a:solidFill>
-                  <a:srgbClr val="660033"/>
-                </a:solidFill>
-              </a:rPr>
-              <a:t>)</a:t>
-            </a:r>
-            <a:endParaRPr lang="vi-VN" sz="4267" b="1" dirty="0">
+              <a:t>( 2 / 4 )</a:t>
+            </a:r>
+            <a:endParaRPr lang="vi-VN" sz="3600" b="1" dirty="0">
               <a:solidFill>
                 <a:srgbClr val="660033"/>
               </a:solidFill>
@@ -9811,13 +9622,6 @@
               </a:rPr>
               <a:t>世間所有虛空福祉</a:t>
             </a:r>
-            <a:endParaRPr lang="zh-TW" altLang="en-US" sz="6400" b="1" dirty="0">
-              <a:solidFill>
-                <a:srgbClr val="660033"/>
-              </a:solidFill>
-              <a:latin typeface="Microsoft JhengHei" panose="020B0604030504040204" pitchFamily="34" charset="-120"/>
-              <a:ea typeface="Microsoft JhengHei" panose="020B0604030504040204" pitchFamily="34" charset="-120"/>
-            </a:endParaRPr>
           </a:p>
         </p:txBody>
       </p:sp>
@@ -10137,14 +9941,6 @@
               </a:rPr>
               <a:t> man</a:t>
             </a:r>
-            <a:endParaRPr lang="en-US" sz="4400" b="1" dirty="0">
-              <a:solidFill>
-                <a:srgbClr val="000066"/>
-              </a:solidFill>
-              <a:latin typeface="Calibri" panose="020F0502020204030204" pitchFamily="34" charset="0"/>
-              <a:ea typeface="微軟正黑體" pitchFamily="34" charset="-120"/>
-              <a:cs typeface="Calibri" panose="020F0502020204030204" pitchFamily="34" charset="0"/>
-            </a:endParaRPr>
           </a:p>
         </p:txBody>
       </p:sp>
@@ -10157,7 +9953,7 @@
         <p:spPr>
           <a:xfrm>
             <a:off x="-16437" y="5385304"/>
-            <a:ext cx="12192000" cy="748988"/>
+            <a:ext cx="12192000" cy="646331"/>
           </a:xfrm>
           <a:prstGeom prst="rect">
             <a:avLst/>
@@ -10172,30 +9968,14 @@
           <a:p>
             <a:pPr algn="ctr"/>
             <a:r>
-              <a:rPr lang="en-US" sz="4267" b="1" dirty="0">
+              <a:rPr lang="en-US" sz="3600" b="1" dirty="0">
                 <a:solidFill>
                   <a:srgbClr val="660033"/>
                 </a:solidFill>
               </a:rPr>
-              <a:t>( </a:t>
-            </a:r>
-            <a:r>
-              <a:rPr lang="en-US" sz="4267" b="1" dirty="0">
-                <a:solidFill>
-                  <a:srgbClr val="660033"/>
-                </a:solidFill>
-              </a:rPr>
-              <a:t>2 </a:t>
-            </a:r>
-            <a:r>
-              <a:rPr lang="en-US" sz="4267" b="1" dirty="0">
-                <a:solidFill>
-                  <a:srgbClr val="660033"/>
-                </a:solidFill>
-              </a:rPr>
-              <a:t>)</a:t>
-            </a:r>
-            <a:endParaRPr lang="vi-VN" sz="4267" b="1" dirty="0">
+              <a:t>( 2 / 4 )</a:t>
+            </a:r>
+            <a:endParaRPr lang="vi-VN" sz="3600" b="1" dirty="0">
               <a:solidFill>
                 <a:srgbClr val="660033"/>
               </a:solidFill>
@@ -10268,13 +10048,6 @@
               </a:rPr>
               <a:t>為主寶血情願丟下</a:t>
             </a:r>
-            <a:endParaRPr lang="zh-TW" altLang="en-US" sz="6400" b="1" dirty="0">
-              <a:solidFill>
-                <a:srgbClr val="660033"/>
-              </a:solidFill>
-              <a:latin typeface="Microsoft JhengHei" panose="020B0604030504040204" pitchFamily="34" charset="-120"/>
-              <a:ea typeface="Microsoft JhengHei" panose="020B0604030504040204" pitchFamily="34" charset="-120"/>
-            </a:endParaRPr>
           </a:p>
         </p:txBody>
       </p:sp>
@@ -10614,7 +10387,7 @@
         <p:spPr>
           <a:xfrm>
             <a:off x="-16437" y="5385304"/>
-            <a:ext cx="12192000" cy="748988"/>
+            <a:ext cx="12192000" cy="646331"/>
           </a:xfrm>
           <a:prstGeom prst="rect">
             <a:avLst/>
@@ -10629,30 +10402,14 @@
           <a:p>
             <a:pPr algn="ctr"/>
             <a:r>
-              <a:rPr lang="en-US" sz="4267" b="1" dirty="0">
+              <a:rPr lang="en-US" sz="3600" b="1" dirty="0">
                 <a:solidFill>
                   <a:srgbClr val="660033"/>
                 </a:solidFill>
               </a:rPr>
-              <a:t>( </a:t>
-            </a:r>
-            <a:r>
-              <a:rPr lang="en-US" sz="4267" b="1" dirty="0">
-                <a:solidFill>
-                  <a:srgbClr val="660033"/>
-                </a:solidFill>
-              </a:rPr>
-              <a:t>2 </a:t>
-            </a:r>
-            <a:r>
-              <a:rPr lang="en-US" sz="4267" b="1" dirty="0">
-                <a:solidFill>
-                  <a:srgbClr val="660033"/>
-                </a:solidFill>
-              </a:rPr>
-              <a:t>)</a:t>
-            </a:r>
-            <a:endParaRPr lang="vi-VN" sz="4267" b="1" dirty="0">
+              <a:t>( 2 / 4 )</a:t>
+            </a:r>
+            <a:endParaRPr lang="vi-VN" sz="3600" b="1" dirty="0">
               <a:solidFill>
                 <a:srgbClr val="660033"/>
               </a:solidFill>
